--- a/OOP Capstone/TicTacToe.pptx
+++ b/OOP Capstone/TicTacToe.pptx
@@ -7,11 +7,11 @@
   <p:sldIdLst>
     <p:sldId id="256" r:id="rId2"/>
     <p:sldId id="260" r:id="rId3"/>
-    <p:sldId id="263" r:id="rId4"/>
-    <p:sldId id="257" r:id="rId5"/>
-    <p:sldId id="258" r:id="rId6"/>
-    <p:sldId id="261" r:id="rId7"/>
-    <p:sldId id="259" r:id="rId8"/>
+    <p:sldId id="270" r:id="rId4"/>
+    <p:sldId id="271" r:id="rId5"/>
+    <p:sldId id="268" r:id="rId6"/>
+    <p:sldId id="272" r:id="rId7"/>
+    <p:sldId id="269" r:id="rId8"/>
   </p:sldIdLst>
   <p:sldSz cx="12192000" cy="6858000"/>
   <p:notesSz cx="6858000" cy="9144000"/>
@@ -110,6 +110,11 @@
       </a:defRPr>
     </a:lvl9pPr>
   </p:defaultTextStyle>
+  <p:extLst>
+    <p:ext uri="{EFAFB233-063F-42B5-8137-9DF3F51BA10A}">
+      <p15:sldGuideLst xmlns:p15="http://schemas.microsoft.com/office/powerpoint/2012/main"/>
+    </p:ext>
+  </p:extLst>
 </p:presentation>
 </file>
 
@@ -244,7 +249,7 @@
           <a:p>
             <a:fld id="{735DB1BE-FF8E-4AD3-BB22-F90DBF3DF6B4}" type="datetimeFigureOut">
               <a:rPr lang="en-US" smtClean="0"/>
-              <a:t>12/9/2019</a:t>
+              <a:t>12/11/2019</a:t>
             </a:fld>
             <a:endParaRPr lang="en-US"/>
           </a:p>
@@ -414,7 +419,7 @@
           <a:p>
             <a:fld id="{735DB1BE-FF8E-4AD3-BB22-F90DBF3DF6B4}" type="datetimeFigureOut">
               <a:rPr lang="en-US" smtClean="0"/>
-              <a:t>12/9/2019</a:t>
+              <a:t>12/11/2019</a:t>
             </a:fld>
             <a:endParaRPr lang="en-US"/>
           </a:p>
@@ -594,7 +599,7 @@
           <a:p>
             <a:fld id="{735DB1BE-FF8E-4AD3-BB22-F90DBF3DF6B4}" type="datetimeFigureOut">
               <a:rPr lang="en-US" smtClean="0"/>
-              <a:t>12/9/2019</a:t>
+              <a:t>12/11/2019</a:t>
             </a:fld>
             <a:endParaRPr lang="en-US"/>
           </a:p>
@@ -764,7 +769,7 @@
           <a:p>
             <a:fld id="{735DB1BE-FF8E-4AD3-BB22-F90DBF3DF6B4}" type="datetimeFigureOut">
               <a:rPr lang="en-US" smtClean="0"/>
-              <a:t>12/9/2019</a:t>
+              <a:t>12/11/2019</a:t>
             </a:fld>
             <a:endParaRPr lang="en-US"/>
           </a:p>
@@ -1010,7 +1015,7 @@
           <a:p>
             <a:fld id="{735DB1BE-FF8E-4AD3-BB22-F90DBF3DF6B4}" type="datetimeFigureOut">
               <a:rPr lang="en-US" smtClean="0"/>
-              <a:t>12/9/2019</a:t>
+              <a:t>12/11/2019</a:t>
             </a:fld>
             <a:endParaRPr lang="en-US"/>
           </a:p>
@@ -1242,7 +1247,7 @@
           <a:p>
             <a:fld id="{735DB1BE-FF8E-4AD3-BB22-F90DBF3DF6B4}" type="datetimeFigureOut">
               <a:rPr lang="en-US" smtClean="0"/>
-              <a:t>12/9/2019</a:t>
+              <a:t>12/11/2019</a:t>
             </a:fld>
             <a:endParaRPr lang="en-US"/>
           </a:p>
@@ -1609,7 +1614,7 @@
           <a:p>
             <a:fld id="{735DB1BE-FF8E-4AD3-BB22-F90DBF3DF6B4}" type="datetimeFigureOut">
               <a:rPr lang="en-US" smtClean="0"/>
-              <a:t>12/9/2019</a:t>
+              <a:t>12/11/2019</a:t>
             </a:fld>
             <a:endParaRPr lang="en-US"/>
           </a:p>
@@ -1727,7 +1732,7 @@
           <a:p>
             <a:fld id="{735DB1BE-FF8E-4AD3-BB22-F90DBF3DF6B4}" type="datetimeFigureOut">
               <a:rPr lang="en-US" smtClean="0"/>
-              <a:t>12/9/2019</a:t>
+              <a:t>12/11/2019</a:t>
             </a:fld>
             <a:endParaRPr lang="en-US"/>
           </a:p>
@@ -1822,7 +1827,7 @@
           <a:p>
             <a:fld id="{735DB1BE-FF8E-4AD3-BB22-F90DBF3DF6B4}" type="datetimeFigureOut">
               <a:rPr lang="en-US" smtClean="0"/>
-              <a:t>12/9/2019</a:t>
+              <a:t>12/11/2019</a:t>
             </a:fld>
             <a:endParaRPr lang="en-US"/>
           </a:p>
@@ -2099,7 +2104,7 @@
           <a:p>
             <a:fld id="{735DB1BE-FF8E-4AD3-BB22-F90DBF3DF6B4}" type="datetimeFigureOut">
               <a:rPr lang="en-US" smtClean="0"/>
-              <a:t>12/9/2019</a:t>
+              <a:t>12/11/2019</a:t>
             </a:fld>
             <a:endParaRPr lang="en-US"/>
           </a:p>
@@ -2352,7 +2357,7 @@
           <a:p>
             <a:fld id="{735DB1BE-FF8E-4AD3-BB22-F90DBF3DF6B4}" type="datetimeFigureOut">
               <a:rPr lang="en-US" smtClean="0"/>
-              <a:t>12/9/2019</a:t>
+              <a:t>12/11/2019</a:t>
             </a:fld>
             <a:endParaRPr lang="en-US"/>
           </a:p>
@@ -2565,7 +2570,7 @@
           <a:p>
             <a:fld id="{735DB1BE-FF8E-4AD3-BB22-F90DBF3DF6B4}" type="datetimeFigureOut">
               <a:rPr lang="en-US" smtClean="0"/>
-              <a:t>12/9/2019</a:t>
+              <a:t>12/11/2019</a:t>
             </a:fld>
             <a:endParaRPr lang="en-US"/>
           </a:p>
@@ -3010,7 +3015,23 @@
           <a:p>
             <a:r>
               <a:rPr lang="en-US" dirty="0" smtClean="0"/>
-              <a:t>4x4 Tic Tac Toe</a:t>
+              <a:t>MVVM with WPF</a:t>
+            </a:r>
+          </a:p>
+          <a:p>
+            <a:r>
+              <a:rPr lang="en-US" dirty="0" smtClean="0"/>
+              <a:t>4x4 Tic Tac </a:t>
+            </a:r>
+            <a:r>
+              <a:rPr lang="en-US" dirty="0" smtClean="0"/>
+              <a:t>Toe</a:t>
+            </a:r>
+          </a:p>
+          <a:p>
+            <a:r>
+              <a:rPr lang="en-US" dirty="0" smtClean="0"/>
+              <a:t>12/12/2019</a:t>
             </a:r>
             <a:endParaRPr lang="en-US" dirty="0"/>
           </a:p>
@@ -3063,7 +3084,11 @@
           <a:p>
             <a:r>
               <a:rPr lang="en-US" dirty="0" smtClean="0"/>
-              <a:t>The Game Board</a:t>
+              <a:t>The Game </a:t>
+            </a:r>
+            <a:r>
+              <a:rPr lang="en-US" dirty="0" smtClean="0"/>
+              <a:t>Board &amp; Architecture</a:t>
             </a:r>
             <a:endParaRPr lang="en-US" dirty="0"/>
           </a:p>
@@ -3087,8 +3112,32 @@
         </p:blipFill>
         <p:spPr>
           <a:xfrm>
-            <a:off x="2352675" y="2029619"/>
+            <a:off x="155575" y="1690688"/>
             <a:ext cx="7486650" cy="3943350"/>
+          </a:xfrm>
+          <a:prstGeom prst="rect">
+            <a:avLst/>
+          </a:prstGeom>
+        </p:spPr>
+      </p:pic>
+      <p:pic>
+        <p:nvPicPr>
+          <p:cNvPr id="3" name="Picture 2"/>
+          <p:cNvPicPr>
+            <a:picLocks noChangeAspect="1"/>
+          </p:cNvPicPr>
+          <p:nvPr/>
+        </p:nvPicPr>
+        <p:blipFill>
+          <a:blip r:embed="rId3"/>
+          <a:stretch>
+            <a:fillRect/>
+          </a:stretch>
+        </p:blipFill>
+        <p:spPr>
+          <a:xfrm>
+            <a:off x="8607425" y="1766887"/>
+            <a:ext cx="2795484" cy="3351213"/>
           </a:xfrm>
           <a:prstGeom prst="rect">
             <a:avLst/>
@@ -3142,7 +3191,7 @@
           <a:p>
             <a:r>
               <a:rPr lang="en-US" dirty="0" smtClean="0"/>
-              <a:t>A Model or Two</a:t>
+              <a:t>Points of Interest</a:t>
             </a:r>
             <a:endParaRPr lang="en-US" dirty="0"/>
           </a:p>
@@ -3150,11 +3199,13 @@
       </p:sp>
       <p:pic>
         <p:nvPicPr>
-          <p:cNvPr id="5" name="Picture 4"/>
+          <p:cNvPr id="4" name="Content Placeholder 3"/>
           <p:cNvPicPr>
-            <a:picLocks noChangeAspect="1"/>
+            <a:picLocks noGrp="1" noChangeAspect="1"/>
           </p:cNvPicPr>
-          <p:nvPr/>
+          <p:nvPr>
+            <p:ph idx="1"/>
+          </p:nvPr>
         </p:nvPicPr>
         <p:blipFill>
           <a:blip r:embed="rId2"/>
@@ -3164,8 +3215,8 @@
         </p:blipFill>
         <p:spPr>
           <a:xfrm>
-            <a:off x="838200" y="5443537"/>
-            <a:ext cx="1435100" cy="832871"/>
+            <a:off x="838200" y="2139156"/>
+            <a:ext cx="5291101" cy="2597944"/>
           </a:xfrm>
           <a:prstGeom prst="rect">
             <a:avLst/>
@@ -3174,7 +3225,7 @@
       </p:pic>
       <p:pic>
         <p:nvPicPr>
-          <p:cNvPr id="6" name="Picture 5"/>
+          <p:cNvPr id="5" name="Picture 4"/>
           <p:cNvPicPr>
             <a:picLocks noChangeAspect="1"/>
           </p:cNvPicPr>
@@ -3188,58 +3239,8 @@
         </p:blipFill>
         <p:spPr>
           <a:xfrm>
-            <a:off x="6186487" y="2077244"/>
-            <a:ext cx="4418013" cy="1848769"/>
-          </a:xfrm>
-          <a:prstGeom prst="rect">
-            <a:avLst/>
-          </a:prstGeom>
-        </p:spPr>
-      </p:pic>
-      <p:pic>
-        <p:nvPicPr>
-          <p:cNvPr id="7" name="Picture 6"/>
-          <p:cNvPicPr>
-            <a:picLocks noChangeAspect="1"/>
-          </p:cNvPicPr>
-          <p:nvPr/>
-        </p:nvPicPr>
-        <p:blipFill>
-          <a:blip r:embed="rId4"/>
-          <a:stretch>
-            <a:fillRect/>
-          </a:stretch>
-        </p:blipFill>
-        <p:spPr>
-          <a:xfrm>
-            <a:off x="6186487" y="4584700"/>
-            <a:ext cx="1360855" cy="880553"/>
-          </a:xfrm>
-          <a:prstGeom prst="rect">
-            <a:avLst/>
-          </a:prstGeom>
-        </p:spPr>
-      </p:pic>
-      <p:pic>
-        <p:nvPicPr>
-          <p:cNvPr id="9" name="Content Placeholder 8"/>
-          <p:cNvPicPr>
-            <a:picLocks noGrp="1" noChangeAspect="1"/>
-          </p:cNvPicPr>
-          <p:nvPr>
-            <p:ph idx="1"/>
-          </p:nvPr>
-        </p:nvPicPr>
-        <p:blipFill>
-          <a:blip r:embed="rId5"/>
-          <a:stretch>
-            <a:fillRect/>
-          </a:stretch>
-        </p:blipFill>
-        <p:spPr>
-          <a:xfrm>
-            <a:off x="838199" y="2077244"/>
-            <a:ext cx="3812357" cy="2507456"/>
+            <a:off x="6300787" y="2139156"/>
+            <a:ext cx="5892394" cy="3296444"/>
           </a:xfrm>
           <a:prstGeom prst="rect">
             <a:avLst/>
@@ -3249,7 +3250,7 @@
     </p:spTree>
     <p:extLst>
       <p:ext uri="{BB962C8B-B14F-4D97-AF65-F5344CB8AC3E}">
-        <p14:creationId xmlns:p14="http://schemas.microsoft.com/office/powerpoint/2010/main" val="1574976414"/>
+        <p14:creationId xmlns:p14="http://schemas.microsoft.com/office/powerpoint/2010/main" val="919368336"/>
       </p:ext>
     </p:extLst>
   </p:cSld>
@@ -3293,7 +3294,7 @@
           <a:p>
             <a:r>
               <a:rPr lang="en-US" dirty="0" smtClean="0"/>
-              <a:t>Setup</a:t>
+              <a:t>Turn Structure</a:t>
             </a:r>
             <a:endParaRPr lang="en-US" dirty="0"/>
           </a:p>
@@ -3301,11 +3302,13 @@
       </p:sp>
       <p:pic>
         <p:nvPicPr>
-          <p:cNvPr id="5" name="Picture 4"/>
+          <p:cNvPr id="4" name="Content Placeholder 3"/>
           <p:cNvPicPr>
-            <a:picLocks noChangeAspect="1"/>
+            <a:picLocks noGrp="1" noChangeAspect="1"/>
           </p:cNvPicPr>
-          <p:nvPr/>
+          <p:nvPr>
+            <p:ph idx="1"/>
+          </p:nvPr>
         </p:nvPicPr>
         <p:blipFill>
           <a:blip r:embed="rId2"/>
@@ -3315,43 +3318,17 @@
         </p:blipFill>
         <p:spPr>
           <a:xfrm>
-            <a:off x="0" y="2087562"/>
-            <a:ext cx="6865938" cy="1767233"/>
+            <a:off x="341311" y="1690688"/>
+            <a:ext cx="5210923" cy="4722812"/>
           </a:xfrm>
           <a:prstGeom prst="rect">
             <a:avLst/>
           </a:prstGeom>
         </p:spPr>
       </p:pic>
-      <p:sp>
-        <p:nvSpPr>
-          <p:cNvPr id="9" name="Content Placeholder 8"/>
-          <p:cNvSpPr>
-            <a:spLocks noGrp="1"/>
-          </p:cNvSpPr>
-          <p:nvPr>
-            <p:ph idx="1"/>
-          </p:nvPr>
-        </p:nvSpPr>
-        <p:spPr>
-          <a:xfrm>
-            <a:off x="10007600" y="1952625"/>
-            <a:ext cx="1231900" cy="269875"/>
-          </a:xfrm>
-        </p:spPr>
-        <p:txBody>
-          <a:bodyPr>
-            <a:normAutofit fontScale="55000" lnSpcReduction="20000"/>
-          </a:bodyPr>
-          <a:lstStyle/>
-          <a:p>
-            <a:endParaRPr lang="en-US" dirty="0"/>
-          </a:p>
-        </p:txBody>
-      </p:sp>
       <p:pic>
         <p:nvPicPr>
-          <p:cNvPr id="11" name="Picture 10"/>
+          <p:cNvPr id="5" name="Picture 4"/>
           <p:cNvPicPr>
             <a:picLocks noChangeAspect="1"/>
           </p:cNvPicPr>
@@ -3365,32 +3342,8 @@
         </p:blipFill>
         <p:spPr>
           <a:xfrm>
-            <a:off x="228600" y="3854794"/>
-            <a:ext cx="5638800" cy="2416629"/>
-          </a:xfrm>
-          <a:prstGeom prst="rect">
-            <a:avLst/>
-          </a:prstGeom>
-        </p:spPr>
-      </p:pic>
-      <p:pic>
-        <p:nvPicPr>
-          <p:cNvPr id="12" name="Picture 11"/>
-          <p:cNvPicPr>
-            <a:picLocks noChangeAspect="1"/>
-          </p:cNvPicPr>
-          <p:nvPr/>
-        </p:nvPicPr>
-        <p:blipFill>
-          <a:blip r:embed="rId4"/>
-          <a:stretch>
-            <a:fillRect/>
-          </a:stretch>
-        </p:blipFill>
-        <p:spPr>
-          <a:xfrm>
-            <a:off x="7035800" y="1952625"/>
-            <a:ext cx="3175000" cy="3481828"/>
+            <a:off x="5816600" y="1690688"/>
+            <a:ext cx="5788890" cy="3287712"/>
           </a:xfrm>
           <a:prstGeom prst="rect">
             <a:avLst/>
@@ -3400,7 +3353,7 @@
     </p:spTree>
     <p:extLst>
       <p:ext uri="{BB962C8B-B14F-4D97-AF65-F5344CB8AC3E}">
-        <p14:creationId xmlns:p14="http://schemas.microsoft.com/office/powerpoint/2010/main" val="667365996"/>
+        <p14:creationId xmlns:p14="http://schemas.microsoft.com/office/powerpoint/2010/main" val="1626985256"/>
       </p:ext>
     </p:extLst>
   </p:cSld>
@@ -3444,39 +3397,15 @@
           <a:p>
             <a:r>
               <a:rPr lang="en-US" dirty="0" smtClean="0"/>
-              <a:t>First Turn</a:t>
+              <a:t>Notes</a:t>
             </a:r>
             <a:endParaRPr lang="en-US" dirty="0"/>
           </a:p>
         </p:txBody>
       </p:sp>
-      <p:pic>
-        <p:nvPicPr>
-          <p:cNvPr id="5" name="Picture 4"/>
-          <p:cNvPicPr>
-            <a:picLocks noChangeAspect="1"/>
-          </p:cNvPicPr>
-          <p:nvPr/>
-        </p:nvPicPr>
-        <p:blipFill>
-          <a:blip r:embed="rId2"/>
-          <a:stretch>
-            <a:fillRect/>
-          </a:stretch>
-        </p:blipFill>
-        <p:spPr>
-          <a:xfrm>
-            <a:off x="552449" y="2312987"/>
-            <a:ext cx="4712127" cy="2335213"/>
-          </a:xfrm>
-          <a:prstGeom prst="rect">
-            <a:avLst/>
-          </a:prstGeom>
-        </p:spPr>
-      </p:pic>
-      <p:sp>
-        <p:nvSpPr>
-          <p:cNvPr id="8" name="Content Placeholder 7"/>
+      <p:sp>
+        <p:nvSpPr>
+          <p:cNvPr id="3" name="Content Placeholder 2"/>
           <p:cNvSpPr>
             <a:spLocks noGrp="1"/>
           </p:cNvSpPr>
@@ -3484,50 +3413,25 @@
             <p:ph idx="1"/>
           </p:nvPr>
         </p:nvSpPr>
-        <p:spPr>
-          <a:xfrm flipH="1">
-            <a:off x="0" y="5943599"/>
-            <a:ext cx="838200" cy="233363"/>
-          </a:xfrm>
-        </p:spPr>
-        <p:txBody>
-          <a:bodyPr>
-            <a:normAutofit fontScale="47500" lnSpcReduction="20000"/>
-          </a:bodyPr>
-          <a:lstStyle/>
+        <p:spPr/>
+        <p:txBody>
+          <a:bodyPr/>
+          <a:lstStyle/>
+          <a:p>
+            <a:r>
+              <a:rPr lang="en-US" dirty="0" smtClean="0"/>
+              <a:t>I stole John’s relay command, delegate command, and observable object</a:t>
+            </a:r>
+          </a:p>
           <a:p>
             <a:endParaRPr lang="en-US" dirty="0"/>
           </a:p>
         </p:txBody>
       </p:sp>
-      <p:pic>
-        <p:nvPicPr>
-          <p:cNvPr id="9" name="Picture 8"/>
-          <p:cNvPicPr>
-            <a:picLocks noChangeAspect="1"/>
-          </p:cNvPicPr>
-          <p:nvPr/>
-        </p:nvPicPr>
-        <p:blipFill>
-          <a:blip r:embed="rId3"/>
-          <a:stretch>
-            <a:fillRect/>
-          </a:stretch>
-        </p:blipFill>
-        <p:spPr>
-          <a:xfrm>
-            <a:off x="5546724" y="1027906"/>
-            <a:ext cx="4448175" cy="4581354"/>
-          </a:xfrm>
-          <a:prstGeom prst="rect">
-            <a:avLst/>
-          </a:prstGeom>
-        </p:spPr>
-      </p:pic>
     </p:spTree>
     <p:extLst>
       <p:ext uri="{BB962C8B-B14F-4D97-AF65-F5344CB8AC3E}">
-        <p14:creationId xmlns:p14="http://schemas.microsoft.com/office/powerpoint/2010/main" val="3343554438"/>
+        <p14:creationId xmlns:p14="http://schemas.microsoft.com/office/powerpoint/2010/main" val="3786603965"/>
       </p:ext>
     </p:extLst>
   </p:cSld>
@@ -3571,7 +3475,7 @@
           <a:p>
             <a:r>
               <a:rPr lang="en-US" dirty="0" smtClean="0"/>
-              <a:t>Game Logic</a:t>
+              <a:t>WPF Headaches</a:t>
             </a:r>
             <a:endParaRPr lang="en-US" dirty="0"/>
           </a:p>
@@ -3595,8 +3499,32 @@
         </p:blipFill>
         <p:spPr>
           <a:xfrm>
-            <a:off x="838200" y="1690688"/>
-            <a:ext cx="5377944" cy="3033712"/>
+            <a:off x="838199" y="2174081"/>
+            <a:ext cx="6836871" cy="3236119"/>
+          </a:xfrm>
+          <a:prstGeom prst="rect">
+            <a:avLst/>
+          </a:prstGeom>
+        </p:spPr>
+      </p:pic>
+      <p:pic>
+        <p:nvPicPr>
+          <p:cNvPr id="5" name="Picture 4"/>
+          <p:cNvPicPr>
+            <a:picLocks noChangeAspect="1"/>
+          </p:cNvPicPr>
+          <p:nvPr/>
+        </p:nvPicPr>
+        <p:blipFill>
+          <a:blip r:embed="rId3"/>
+          <a:stretch>
+            <a:fillRect/>
+          </a:stretch>
+        </p:blipFill>
+        <p:spPr>
+          <a:xfrm>
+            <a:off x="7433770" y="3837780"/>
+            <a:ext cx="4515829" cy="1471612"/>
           </a:xfrm>
           <a:prstGeom prst="rect">
             <a:avLst/>
@@ -3612,30 +3540,6 @@
           <p:nvPr/>
         </p:nvPicPr>
         <p:blipFill>
-          <a:blip r:embed="rId3"/>
-          <a:stretch>
-            <a:fillRect/>
-          </a:stretch>
-        </p:blipFill>
-        <p:spPr>
-          <a:xfrm>
-            <a:off x="517704" y="4902198"/>
-            <a:ext cx="6923610" cy="1866902"/>
-          </a:xfrm>
-          <a:prstGeom prst="rect">
-            <a:avLst/>
-          </a:prstGeom>
-        </p:spPr>
-      </p:pic>
-      <p:pic>
-        <p:nvPicPr>
-          <p:cNvPr id="7" name="Picture 6"/>
-          <p:cNvPicPr>
-            <a:picLocks noChangeAspect="1"/>
-          </p:cNvPicPr>
-          <p:nvPr/>
-        </p:nvPicPr>
-        <p:blipFill>
           <a:blip r:embed="rId4"/>
           <a:stretch>
             <a:fillRect/>
@@ -3643,8 +3547,8 @@
         </p:blipFill>
         <p:spPr>
           <a:xfrm>
-            <a:off x="6638925" y="2147491"/>
-            <a:ext cx="4692282" cy="2576909"/>
+            <a:off x="6096000" y="1438275"/>
+            <a:ext cx="6062698" cy="1916112"/>
           </a:xfrm>
           <a:prstGeom prst="rect">
             <a:avLst/>
@@ -3654,7 +3558,7 @@
     </p:spTree>
     <p:extLst>
       <p:ext uri="{BB962C8B-B14F-4D97-AF65-F5344CB8AC3E}">
-        <p14:creationId xmlns:p14="http://schemas.microsoft.com/office/powerpoint/2010/main" val="3511325119"/>
+        <p14:creationId xmlns:p14="http://schemas.microsoft.com/office/powerpoint/2010/main" val="53648206"/>
       </p:ext>
     </p:extLst>
   </p:cSld>
@@ -3698,114 +3602,81 @@
           <a:p>
             <a:r>
               <a:rPr lang="en-US" dirty="0" smtClean="0"/>
-              <a:t>Winning &amp; CRUD</a:t>
+              <a:t>Conclusion</a:t>
             </a:r>
             <a:endParaRPr lang="en-US" dirty="0"/>
           </a:p>
         </p:txBody>
       </p:sp>
-      <p:pic>
-        <p:nvPicPr>
-          <p:cNvPr id="8" name="Picture 7"/>
-          <p:cNvPicPr>
-            <a:picLocks noChangeAspect="1"/>
-          </p:cNvPicPr>
-          <p:nvPr/>
-        </p:nvPicPr>
-        <p:blipFill>
-          <a:blip r:embed="rId2"/>
-          <a:stretch>
-            <a:fillRect/>
-          </a:stretch>
-        </p:blipFill>
-        <p:spPr>
-          <a:xfrm>
-            <a:off x="951421" y="2094346"/>
-            <a:ext cx="2807501" cy="1229230"/>
-          </a:xfrm>
-          <a:prstGeom prst="rect">
-            <a:avLst/>
-          </a:prstGeom>
-        </p:spPr>
-      </p:pic>
-      <p:pic>
-        <p:nvPicPr>
-          <p:cNvPr id="10" name="Content Placeholder 9"/>
-          <p:cNvPicPr>
-            <a:picLocks noGrp="1" noChangeAspect="1"/>
-          </p:cNvPicPr>
+      <p:sp>
+        <p:nvSpPr>
+          <p:cNvPr id="3" name="Content Placeholder 2"/>
+          <p:cNvSpPr>
+            <a:spLocks noGrp="1"/>
+          </p:cNvSpPr>
           <p:nvPr>
             <p:ph idx="1"/>
           </p:nvPr>
-        </p:nvPicPr>
-        <p:blipFill>
-          <a:blip r:embed="rId3"/>
-          <a:stretch>
-            <a:fillRect/>
-          </a:stretch>
-        </p:blipFill>
-        <p:spPr>
-          <a:xfrm>
-            <a:off x="4603750" y="1556543"/>
-            <a:ext cx="2686050" cy="3734265"/>
-          </a:xfrm>
-          <a:prstGeom prst="rect">
-            <a:avLst/>
-          </a:prstGeom>
-        </p:spPr>
-      </p:pic>
-      <p:pic>
-        <p:nvPicPr>
-          <p:cNvPr id="11" name="Picture 10"/>
-          <p:cNvPicPr>
-            <a:picLocks noChangeAspect="1"/>
-          </p:cNvPicPr>
-          <p:nvPr/>
-        </p:nvPicPr>
-        <p:blipFill>
-          <a:blip r:embed="rId4"/>
-          <a:stretch>
-            <a:fillRect/>
-          </a:stretch>
-        </p:blipFill>
-        <p:spPr>
-          <a:xfrm>
-            <a:off x="274637" y="3916652"/>
-            <a:ext cx="4161071" cy="2469357"/>
-          </a:xfrm>
-          <a:prstGeom prst="rect">
-            <a:avLst/>
-          </a:prstGeom>
-        </p:spPr>
-      </p:pic>
-      <p:pic>
-        <p:nvPicPr>
-          <p:cNvPr id="12" name="Picture 11"/>
-          <p:cNvPicPr>
-            <a:picLocks noChangeAspect="1"/>
-          </p:cNvPicPr>
-          <p:nvPr/>
-        </p:nvPicPr>
-        <p:blipFill>
-          <a:blip r:embed="rId5"/>
-          <a:stretch>
-            <a:fillRect/>
-          </a:stretch>
-        </p:blipFill>
-        <p:spPr>
-          <a:xfrm>
-            <a:off x="7665511" y="1447237"/>
-            <a:ext cx="4320901" cy="3952875"/>
-          </a:xfrm>
-          <a:prstGeom prst="rect">
-            <a:avLst/>
-          </a:prstGeom>
-        </p:spPr>
-      </p:pic>
+        </p:nvSpPr>
+        <p:spPr/>
+        <p:txBody>
+          <a:bodyPr/>
+          <a:lstStyle/>
+          <a:p>
+            <a:r>
+              <a:rPr lang="en-US" dirty="0" smtClean="0"/>
+              <a:t>In the future…Search through saved </a:t>
+            </a:r>
+            <a:r>
+              <a:rPr lang="en-US" dirty="0" smtClean="0"/>
+              <a:t>games, </a:t>
+            </a:r>
+            <a:r>
+              <a:rPr lang="en-US" dirty="0" smtClean="0"/>
+              <a:t>highlight where game was </a:t>
+            </a:r>
+            <a:r>
+              <a:rPr lang="en-US" dirty="0" smtClean="0"/>
+              <a:t>won, and I do not want textboxes.</a:t>
+            </a:r>
+            <a:endParaRPr lang="en-US" dirty="0" smtClean="0"/>
+          </a:p>
+          <a:p>
+            <a:endParaRPr lang="en-US" dirty="0"/>
+          </a:p>
+          <a:p>
+            <a:r>
+              <a:rPr lang="en-US" dirty="0" smtClean="0"/>
+              <a:t>Takeaway: </a:t>
+            </a:r>
+            <a:r>
+              <a:rPr lang="en-US" dirty="0" smtClean="0"/>
+              <a:t>ask for help sooner, </a:t>
+            </a:r>
+            <a:r>
+              <a:rPr lang="en-US" dirty="0" smtClean="0"/>
+              <a:t>proper </a:t>
+            </a:r>
+            <a:r>
+              <a:rPr lang="en-US" dirty="0" smtClean="0"/>
+              <a:t>binding of commands (text and/or </a:t>
+            </a:r>
+            <a:r>
+              <a:rPr lang="en-US" smtClean="0"/>
+              <a:t>methods</a:t>
+            </a:r>
+            <a:r>
+              <a:rPr lang="en-US" smtClean="0"/>
+              <a:t>).</a:t>
+            </a:r>
+            <a:endParaRPr lang="en-US" dirty="0"/>
+          </a:p>
+        </p:txBody>
+      </p:sp>
     </p:spTree>
     <p:extLst>
       <p:ext uri="{BB962C8B-B14F-4D97-AF65-F5344CB8AC3E}">
-        <p14:creationId xmlns:p14="http://schemas.microsoft.com/office/powerpoint/2010/main" val="2273976527"/>
+        <p14:creationId xmlns:p14="http://schemas.microsoft.com/office/powerpoint/2010/main" val="2894875014"/>
       </p:ext>
     </p:extLst>
   </p:cSld>
